--- a/Hacks-ai.ru_Digital_Breakthrough_2022/2022_06_30-07_25_Kursk_Citizens_Appeals_Classification/slides_Kursk_Sitizen_Appeals_Classification_GorbachevAA_v01.pptx
+++ b/Hacks-ai.ru_Digital_Breakthrough_2022/2022_06_30-07_25_Kursk_Citizens_Appeals_Classification/slides_Kursk_Sitizen_Appeals_Classification_GorbachevAA_v01.pptx
@@ -4380,14 +4380,14 @@
                 <a:latin typeface="Calibri Light" pitchFamily="34" charset="0"/>
                 <a:cs typeface="Calibri Light" pitchFamily="34" charset="0"/>
               </a:rPr>
-              <a:t>Было сделано 8 </a:t>
+              <a:t>Было сделано </a:t>
             </a:r>
             <a:r>
               <a:rPr lang="ru-RU" dirty="0" smtClean="0">
                 <a:latin typeface="Calibri Light" pitchFamily="34" charset="0"/>
                 <a:cs typeface="Calibri Light" pitchFamily="34" charset="0"/>
               </a:rPr>
-              <a:t>выборок</a:t>
+              <a:t>9 выборок</a:t>
             </a:r>
             <a:r>
               <a:rPr lang="en-US" dirty="0" smtClean="0">
@@ -6932,15 +6932,11 @@
             </a:r>
             <a:r>
               <a:rPr lang="ru-RU" sz="1400" dirty="0" smtClean="0"/>
-              <a:t>понравился мне больше по </a:t>
+              <a:t>понравился мне больше по характеру преодоления т.н</a:t>
             </a:r>
             <a:r>
               <a:rPr lang="ru-RU" sz="1400" dirty="0" smtClean="0"/>
-              <a:t>характеру </a:t>
-            </a:r>
-            <a:r>
-              <a:rPr lang="en-US" sz="1400" dirty="0" err="1" smtClean="0"/>
-              <a:t>ghtjljktybz</a:t>
+              <a:t>.</a:t>
             </a:r>
             <a:r>
               <a:rPr lang="en-US" sz="1400" dirty="0" smtClean="0"/>
@@ -6948,23 +6944,7 @@
             </a:r>
             <a:r>
               <a:rPr lang="ru-RU" sz="1400" dirty="0" smtClean="0"/>
-              <a:t>т.н.</a:t>
-            </a:r>
-            <a:r>
-              <a:rPr lang="en-US" sz="1400" dirty="0" smtClean="0"/>
-              <a:t> </a:t>
-            </a:r>
-            <a:r>
-              <a:rPr lang="ru-RU" sz="1400" dirty="0" smtClean="0"/>
-              <a:t>ошибки </a:t>
-            </a:r>
-            <a:r>
-              <a:rPr lang="ru-RU" sz="1400" smtClean="0"/>
-              <a:t>эксраполяции</a:t>
-            </a:r>
-            <a:r>
-              <a:rPr lang="ru-RU" sz="1400" dirty="0" smtClean="0"/>
-              <a:t> </a:t>
+              <a:t>ошибки экстраполяции </a:t>
             </a:r>
             <a:endParaRPr lang="en-US" sz="1400" dirty="0" smtClean="0"/>
           </a:p>
